--- a/ppt/2.Basic programming.pptx
+++ b/ppt/2.Basic programming.pptx
@@ -262,7 +262,7 @@
           <a:p>
             <a:fld id="{16508449-542A-46A0-ABEC-0FA12F3A8655}" type="datetimeFigureOut">
               <a:rPr lang="ko-KR" altLang="en-US" smtClean="0"/>
-              <a:t>2017-03-02</a:t>
+              <a:t>2017-03-07</a:t>
             </a:fld>
             <a:endParaRPr lang="ko-KR" altLang="en-US"/>
           </a:p>
@@ -432,7 +432,7 @@
           <a:p>
             <a:fld id="{16508449-542A-46A0-ABEC-0FA12F3A8655}" type="datetimeFigureOut">
               <a:rPr lang="ko-KR" altLang="en-US" smtClean="0"/>
-              <a:t>2017-03-02</a:t>
+              <a:t>2017-03-07</a:t>
             </a:fld>
             <a:endParaRPr lang="ko-KR" altLang="en-US"/>
           </a:p>
@@ -612,7 +612,7 @@
           <a:p>
             <a:fld id="{16508449-542A-46A0-ABEC-0FA12F3A8655}" type="datetimeFigureOut">
               <a:rPr lang="ko-KR" altLang="en-US" smtClean="0"/>
-              <a:t>2017-03-02</a:t>
+              <a:t>2017-03-07</a:t>
             </a:fld>
             <a:endParaRPr lang="ko-KR" altLang="en-US"/>
           </a:p>
@@ -782,7 +782,7 @@
           <a:p>
             <a:fld id="{16508449-542A-46A0-ABEC-0FA12F3A8655}" type="datetimeFigureOut">
               <a:rPr lang="ko-KR" altLang="en-US" smtClean="0"/>
-              <a:t>2017-03-02</a:t>
+              <a:t>2017-03-07</a:t>
             </a:fld>
             <a:endParaRPr lang="ko-KR" altLang="en-US"/>
           </a:p>
@@ -1028,7 +1028,7 @@
           <a:p>
             <a:fld id="{16508449-542A-46A0-ABEC-0FA12F3A8655}" type="datetimeFigureOut">
               <a:rPr lang="ko-KR" altLang="en-US" smtClean="0"/>
-              <a:t>2017-03-02</a:t>
+              <a:t>2017-03-07</a:t>
             </a:fld>
             <a:endParaRPr lang="ko-KR" altLang="en-US"/>
           </a:p>
@@ -1260,7 +1260,7 @@
           <a:p>
             <a:fld id="{16508449-542A-46A0-ABEC-0FA12F3A8655}" type="datetimeFigureOut">
               <a:rPr lang="ko-KR" altLang="en-US" smtClean="0"/>
-              <a:t>2017-03-02</a:t>
+              <a:t>2017-03-07</a:t>
             </a:fld>
             <a:endParaRPr lang="ko-KR" altLang="en-US"/>
           </a:p>
@@ -1627,7 +1627,7 @@
           <a:p>
             <a:fld id="{16508449-542A-46A0-ABEC-0FA12F3A8655}" type="datetimeFigureOut">
               <a:rPr lang="ko-KR" altLang="en-US" smtClean="0"/>
-              <a:t>2017-03-02</a:t>
+              <a:t>2017-03-07</a:t>
             </a:fld>
             <a:endParaRPr lang="ko-KR" altLang="en-US"/>
           </a:p>
@@ -1745,7 +1745,7 @@
           <a:p>
             <a:fld id="{16508449-542A-46A0-ABEC-0FA12F3A8655}" type="datetimeFigureOut">
               <a:rPr lang="ko-KR" altLang="en-US" smtClean="0"/>
-              <a:t>2017-03-02</a:t>
+              <a:t>2017-03-07</a:t>
             </a:fld>
             <a:endParaRPr lang="ko-KR" altLang="en-US"/>
           </a:p>
@@ -1840,7 +1840,7 @@
           <a:p>
             <a:fld id="{16508449-542A-46A0-ABEC-0FA12F3A8655}" type="datetimeFigureOut">
               <a:rPr lang="ko-KR" altLang="en-US" smtClean="0"/>
-              <a:t>2017-03-02</a:t>
+              <a:t>2017-03-07</a:t>
             </a:fld>
             <a:endParaRPr lang="ko-KR" altLang="en-US"/>
           </a:p>
@@ -2117,7 +2117,7 @@
           <a:p>
             <a:fld id="{16508449-542A-46A0-ABEC-0FA12F3A8655}" type="datetimeFigureOut">
               <a:rPr lang="ko-KR" altLang="en-US" smtClean="0"/>
-              <a:t>2017-03-02</a:t>
+              <a:t>2017-03-07</a:t>
             </a:fld>
             <a:endParaRPr lang="ko-KR" altLang="en-US"/>
           </a:p>
@@ -2370,7 +2370,7 @@
           <a:p>
             <a:fld id="{16508449-542A-46A0-ABEC-0FA12F3A8655}" type="datetimeFigureOut">
               <a:rPr lang="ko-KR" altLang="en-US" smtClean="0"/>
-              <a:t>2017-03-02</a:t>
+              <a:t>2017-03-07</a:t>
             </a:fld>
             <a:endParaRPr lang="ko-KR" altLang="en-US"/>
           </a:p>
@@ -2583,7 +2583,7 @@
           <a:p>
             <a:fld id="{16508449-542A-46A0-ABEC-0FA12F3A8655}" type="datetimeFigureOut">
               <a:rPr lang="ko-KR" altLang="en-US" smtClean="0"/>
-              <a:t>2017-03-02</a:t>
+              <a:t>2017-03-07</a:t>
             </a:fld>
             <a:endParaRPr lang="ko-KR" altLang="en-US"/>
           </a:p>
@@ -3458,15 +3458,7 @@
             </a:r>
             <a:r>
               <a:rPr lang="en-US" altLang="ko-KR" dirty="0" smtClean="0"/>
-              <a:t>, then </a:t>
-            </a:r>
-            <a:r>
-              <a:rPr lang="en-US" altLang="ko-KR" dirty="0" smtClean="0"/>
-              <a:t>the expression </a:t>
-            </a:r>
-            <a:r>
-              <a:rPr lang="en-US" altLang="ko-KR" dirty="0" smtClean="0"/>
-              <a:t>in { } is executed.</a:t>
+              <a:t>, then the expression in { } is executed.</a:t>
             </a:r>
           </a:p>
           <a:p>
@@ -3489,11 +3481,7 @@
             </a:r>
             <a:r>
               <a:rPr lang="en-US" altLang="ko-KR" dirty="0" smtClean="0"/>
-              <a:t> </a:t>
-            </a:r>
-            <a:r>
-              <a:rPr lang="en-US" altLang="ko-KR" dirty="0" smtClean="0"/>
-              <a:t>is </a:t>
+              <a:t> is </a:t>
             </a:r>
             <a:r>
               <a:rPr lang="en-US" altLang="ko-KR" spc="-150" dirty="0" smtClean="0">
@@ -3585,15 +3573,7 @@
           <a:p>
             <a:r>
               <a:rPr lang="en-US" altLang="ko-KR" dirty="0" smtClean="0"/>
-              <a:t>Example </a:t>
-            </a:r>
-            <a:r>
-              <a:rPr lang="en-US" altLang="ko-KR" dirty="0" smtClean="0"/>
-              <a:t>: </a:t>
-            </a:r>
-            <a:r>
-              <a:rPr lang="en-US" altLang="ko-KR" dirty="0" smtClean="0"/>
-              <a:t>Fibonacci numbers</a:t>
+              <a:t>Example : Fibonacci numbers</a:t>
             </a:r>
             <a:endParaRPr lang="ko-KR" altLang="en-US" dirty="0"/>
           </a:p>
@@ -5470,7 +5450,7 @@
             </a:r>
           </a:p>
           <a:p>
-            <a:endParaRPr lang="en-US" altLang="ko-KR" dirty="0"/>
+            <a:endParaRPr lang="en-US" altLang="ko-KR" dirty="0" smtClean="0"/>
           </a:p>
           <a:p>
             <a:r>
@@ -5525,53 +5505,44 @@
               <a:rPr lang="en-US" altLang="ko-KR" spc="-150" dirty="0" smtClean="0">
                 <a:latin typeface="Consolas" panose="020B0609020204030204" pitchFamily="49" charset="0"/>
               </a:rPr>
+              <a:t>} else {</a:t>
+            </a:r>
+            <a:br>
+              <a:rPr lang="en-US" altLang="ko-KR" spc="-150" dirty="0" smtClean="0">
+                <a:latin typeface="Consolas" panose="020B0609020204030204" pitchFamily="49" charset="0"/>
+              </a:rPr>
+            </a:br>
+            <a:r>
+              <a:rPr lang="en-US" altLang="ko-KR" spc="-150" dirty="0" smtClean="0">
+                <a:latin typeface="Consolas" panose="020B0609020204030204" pitchFamily="49" charset="0"/>
+              </a:rPr>
+              <a:t>	expression_2</a:t>
+            </a:r>
+            <a:br>
+              <a:rPr lang="en-US" altLang="ko-KR" spc="-150" dirty="0" smtClean="0">
+                <a:latin typeface="Consolas" panose="020B0609020204030204" pitchFamily="49" charset="0"/>
+              </a:rPr>
+            </a:br>
+            <a:r>
+              <a:rPr lang="en-US" altLang="ko-KR" spc="-150" dirty="0" smtClean="0">
+                <a:latin typeface="Consolas" panose="020B0609020204030204" pitchFamily="49" charset="0"/>
+              </a:rPr>
+              <a:t>	…</a:t>
+            </a:r>
+            <a:br>
+              <a:rPr lang="en-US" altLang="ko-KR" spc="-150" dirty="0" smtClean="0">
+                <a:latin typeface="Consolas" panose="020B0609020204030204" pitchFamily="49" charset="0"/>
+              </a:rPr>
+            </a:br>
+            <a:r>
+              <a:rPr lang="en-US" altLang="ko-KR" spc="-150" dirty="0" smtClean="0">
+                <a:latin typeface="Consolas" panose="020B0609020204030204" pitchFamily="49" charset="0"/>
+              </a:rPr>
               <a:t>}</a:t>
             </a:r>
-            <a:r>
-              <a:rPr lang="en-US" altLang="ko-KR" spc="-150" dirty="0">
-                <a:latin typeface="Consolas" panose="020B0609020204030204" pitchFamily="49" charset="0"/>
-              </a:rPr>
-              <a:t> </a:t>
-            </a:r>
-            <a:r>
-              <a:rPr lang="en-US" altLang="ko-KR" spc="-150" dirty="0" smtClean="0">
-                <a:latin typeface="Consolas" panose="020B0609020204030204" pitchFamily="49" charset="0"/>
-              </a:rPr>
-              <a:t>else {</a:t>
-            </a:r>
-            <a:br>
-              <a:rPr lang="en-US" altLang="ko-KR" spc="-150" dirty="0" smtClean="0">
-                <a:latin typeface="Consolas" panose="020B0609020204030204" pitchFamily="49" charset="0"/>
-              </a:rPr>
-            </a:br>
-            <a:r>
-              <a:rPr lang="en-US" altLang="ko-KR" spc="-150" dirty="0" smtClean="0">
-                <a:latin typeface="Consolas" panose="020B0609020204030204" pitchFamily="49" charset="0"/>
-              </a:rPr>
-              <a:t>	expression_2</a:t>
-            </a:r>
-            <a:br>
-              <a:rPr lang="en-US" altLang="ko-KR" spc="-150" dirty="0" smtClean="0">
-                <a:latin typeface="Consolas" panose="020B0609020204030204" pitchFamily="49" charset="0"/>
-              </a:rPr>
-            </a:br>
-            <a:r>
-              <a:rPr lang="en-US" altLang="ko-KR" spc="-150" dirty="0" smtClean="0">
-                <a:latin typeface="Consolas" panose="020B0609020204030204" pitchFamily="49" charset="0"/>
-              </a:rPr>
-              <a:t>	…</a:t>
-            </a:r>
-            <a:br>
-              <a:rPr lang="en-US" altLang="ko-KR" spc="-150" dirty="0" smtClean="0">
-                <a:latin typeface="Consolas" panose="020B0609020204030204" pitchFamily="49" charset="0"/>
-              </a:rPr>
-            </a:br>
-            <a:r>
-              <a:rPr lang="en-US" altLang="ko-KR" spc="-150" dirty="0" smtClean="0">
-                <a:latin typeface="Consolas" panose="020B0609020204030204" pitchFamily="49" charset="0"/>
-              </a:rPr>
-              <a:t>}</a:t>
-            </a:r>
+            <a:endParaRPr lang="en-US" altLang="ko-KR" spc="-150" dirty="0" smtClean="0">
+              <a:latin typeface="Consolas" panose="020B0609020204030204" pitchFamily="49" charset="0"/>
+            </a:endParaRPr>
           </a:p>
         </p:txBody>
       </p:sp>
@@ -6122,41 +6093,29 @@
               <a:buNone/>
             </a:pPr>
             <a:r>
-              <a:rPr lang="en-US" altLang="ko-KR" sz="2400" spc="-150" dirty="0" smtClean="0">
-                <a:latin typeface="Consolas" panose="020B0609020204030204" pitchFamily="49" charset="0"/>
-              </a:rPr>
-              <a:t>if (</a:t>
-            </a:r>
-            <a:r>
-              <a:rPr lang="en-US" altLang="ko-KR" sz="2400" spc="-150" dirty="0" smtClean="0">
-                <a:latin typeface="Consolas" panose="020B0609020204030204" pitchFamily="49" charset="0"/>
-              </a:rPr>
-              <a:t>logical_expression_1</a:t>
-            </a:r>
-            <a:r>
-              <a:rPr lang="en-US" altLang="ko-KR" sz="2400" spc="-150" dirty="0" smtClean="0">
-                <a:latin typeface="Consolas" panose="020B0609020204030204" pitchFamily="49" charset="0"/>
-              </a:rPr>
-              <a:t>){</a:t>
-            </a:r>
-            <a:br>
-              <a:rPr lang="en-US" altLang="ko-KR" sz="2400" spc="-150" dirty="0" smtClean="0">
-                <a:latin typeface="Consolas" panose="020B0609020204030204" pitchFamily="49" charset="0"/>
-              </a:rPr>
-            </a:br>
-            <a:r>
-              <a:rPr lang="en-US" altLang="ko-KR" sz="2400" spc="-150" dirty="0" smtClean="0">
+              <a:rPr lang="en-US" altLang="ko-KR" sz="2400" spc="-150" dirty="0">
+                <a:latin typeface="Consolas" panose="020B0609020204030204" pitchFamily="49" charset="0"/>
+              </a:rPr>
+              <a:t>if (logical_expression_1){</a:t>
+            </a:r>
+            <a:br>
+              <a:rPr lang="en-US" altLang="ko-KR" sz="2400" spc="-150" dirty="0">
+                <a:latin typeface="Consolas" panose="020B0609020204030204" pitchFamily="49" charset="0"/>
+              </a:rPr>
+            </a:br>
+            <a:r>
+              <a:rPr lang="en-US" altLang="ko-KR" sz="2400" spc="-150" dirty="0">
                 <a:latin typeface="Consolas" panose="020B0609020204030204" pitchFamily="49" charset="0"/>
               </a:rPr>
               <a:t>	expression_1</a:t>
             </a:r>
             <a:br>
-              <a:rPr lang="en-US" altLang="ko-KR" sz="2400" spc="-150" dirty="0" smtClean="0">
-                <a:latin typeface="Consolas" panose="020B0609020204030204" pitchFamily="49" charset="0"/>
-              </a:rPr>
-            </a:br>
-            <a:r>
-              <a:rPr lang="en-US" altLang="ko-KR" sz="2400" spc="-150" dirty="0" smtClean="0">
+              <a:rPr lang="en-US" altLang="ko-KR" sz="2400" spc="-150" dirty="0">
+                <a:latin typeface="Consolas" panose="020B0609020204030204" pitchFamily="49" charset="0"/>
+              </a:rPr>
+            </a:br>
+            <a:r>
+              <a:rPr lang="en-US" altLang="ko-KR" sz="2400" spc="-150" dirty="0">
                 <a:latin typeface="Consolas" panose="020B0609020204030204" pitchFamily="49" charset="0"/>
               </a:rPr>
               <a:t>} else {</a:t>
@@ -6170,32 +6129,26 @@
               <a:rPr lang="en-US" altLang="ko-KR" sz="2400" spc="-150" dirty="0">
                 <a:latin typeface="Consolas" panose="020B0609020204030204" pitchFamily="49" charset="0"/>
               </a:rPr>
-              <a:t>	</a:t>
-            </a:r>
-            <a:r>
-              <a:rPr lang="en-US" altLang="ko-KR" sz="2400" spc="-150" dirty="0" smtClean="0">
-                <a:latin typeface="Consolas" panose="020B0609020204030204" pitchFamily="49" charset="0"/>
-              </a:rPr>
-              <a:t>if (logical_expression_2){</a:t>
-            </a:r>
-            <a:br>
-              <a:rPr lang="en-US" altLang="ko-KR" sz="2400" spc="-150" dirty="0" smtClean="0">
-                <a:latin typeface="Consolas" panose="020B0609020204030204" pitchFamily="49" charset="0"/>
-              </a:rPr>
-            </a:br>
-            <a:r>
-              <a:rPr lang="en-US" altLang="ko-KR" sz="2400" spc="-150" dirty="0" smtClean="0">
+              <a:t>	if (logical_expression_2){</a:t>
+            </a:r>
+            <a:br>
+              <a:rPr lang="en-US" altLang="ko-KR" sz="2400" spc="-150" dirty="0">
+                <a:latin typeface="Consolas" panose="020B0609020204030204" pitchFamily="49" charset="0"/>
+              </a:rPr>
+            </a:br>
+            <a:r>
+              <a:rPr lang="en-US" altLang="ko-KR" sz="2400" spc="-150" dirty="0">
                 <a:latin typeface="Consolas" panose="020B0609020204030204" pitchFamily="49" charset="0"/>
               </a:rPr>
               <a:t>		expression_2</a:t>
             </a:r>
             <a:br>
-              <a:rPr lang="en-US" altLang="ko-KR" sz="2400" spc="-150" dirty="0" smtClean="0">
-                <a:latin typeface="Consolas" panose="020B0609020204030204" pitchFamily="49" charset="0"/>
-              </a:rPr>
-            </a:br>
-            <a:r>
-              <a:rPr lang="en-US" altLang="ko-KR" sz="2400" spc="-150" dirty="0" smtClean="0">
+              <a:rPr lang="en-US" altLang="ko-KR" sz="2400" spc="-150" dirty="0">
+                <a:latin typeface="Consolas" panose="020B0609020204030204" pitchFamily="49" charset="0"/>
+              </a:rPr>
+            </a:br>
+            <a:r>
+              <a:rPr lang="en-US" altLang="ko-KR" sz="2400" spc="-150" dirty="0">
                 <a:latin typeface="Consolas" panose="020B0609020204030204" pitchFamily="49" charset="0"/>
               </a:rPr>
               <a:t>	} else{</a:t>
@@ -6209,13 +6162,7 @@
               <a:rPr lang="en-US" altLang="ko-KR" sz="2400" spc="-150" dirty="0">
                 <a:latin typeface="Consolas" panose="020B0609020204030204" pitchFamily="49" charset="0"/>
               </a:rPr>
-              <a:t>	</a:t>
-            </a:r>
-            <a:r>
-              <a:rPr lang="en-US" altLang="ko-KR" sz="2400" spc="-150" dirty="0" smtClean="0">
-                <a:latin typeface="Consolas" panose="020B0609020204030204" pitchFamily="49" charset="0"/>
-              </a:rPr>
-              <a:t>	expression_3</a:t>
+              <a:t>		expression_3</a:t>
             </a:r>
           </a:p>
           <a:p>
@@ -6226,13 +6173,7 @@
               <a:rPr lang="en-US" altLang="ko-KR" sz="2400" spc="-150" dirty="0">
                 <a:latin typeface="Consolas" panose="020B0609020204030204" pitchFamily="49" charset="0"/>
               </a:rPr>
-              <a:t>	</a:t>
-            </a:r>
-            <a:r>
-              <a:rPr lang="en-US" altLang="ko-KR" sz="2400" spc="-150" dirty="0" smtClean="0">
-                <a:latin typeface="Consolas" panose="020B0609020204030204" pitchFamily="49" charset="0"/>
-              </a:rPr>
-              <a:t>}</a:t>
+              <a:t>	}</a:t>
             </a:r>
           </a:p>
           <a:p>
@@ -6272,14 +6213,33 @@
               <a:buNone/>
             </a:pPr>
             <a:r>
-              <a:rPr lang="en-US" altLang="ko-KR" sz="2400" spc="-150" dirty="0" smtClean="0">
-                <a:solidFill>
-                  <a:srgbClr val="0070C0"/>
-                </a:solidFill>
+              <a:rPr lang="en-US" altLang="ko-KR" sz="2400" spc="-150" dirty="0">
                 <a:latin typeface="Consolas" panose="020B0609020204030204" pitchFamily="49" charset="0"/>
               </a:rPr>
               <a:t>if (logical_expression_1){</a:t>
             </a:r>
+            <a:br>
+              <a:rPr lang="en-US" altLang="ko-KR" sz="2400" spc="-150" dirty="0">
+                <a:latin typeface="Consolas" panose="020B0609020204030204" pitchFamily="49" charset="0"/>
+              </a:rPr>
+            </a:br>
+            <a:r>
+              <a:rPr lang="en-US" altLang="ko-KR" sz="2400" spc="-150" dirty="0">
+                <a:latin typeface="Consolas" panose="020B0609020204030204" pitchFamily="49" charset="0"/>
+              </a:rPr>
+              <a:t>	expression_1</a:t>
+            </a:r>
+            <a:br>
+              <a:rPr lang="en-US" altLang="ko-KR" sz="2400" spc="-150" dirty="0">
+                <a:latin typeface="Consolas" panose="020B0609020204030204" pitchFamily="49" charset="0"/>
+              </a:rPr>
+            </a:br>
+            <a:r>
+              <a:rPr lang="en-US" altLang="ko-KR" sz="2400" spc="-150" dirty="0">
+                <a:latin typeface="Consolas" panose="020B0609020204030204" pitchFamily="49" charset="0"/>
+              </a:rPr>
+              <a:t>} else {</a:t>
+            </a:r>
           </a:p>
           <a:p>
             <a:pPr marL="0" indent="0">
@@ -6287,38 +6247,31 @@
             </a:pPr>
             <a:r>
               <a:rPr lang="en-US" altLang="ko-KR" sz="2400" spc="-150" dirty="0">
-                <a:solidFill>
-                  <a:srgbClr val="0070C0"/>
-                </a:solidFill>
-                <a:latin typeface="Consolas" panose="020B0609020204030204" pitchFamily="49" charset="0"/>
-              </a:rPr>
-              <a:t>	</a:t>
-            </a:r>
-            <a:r>
-              <a:rPr lang="en-US" altLang="ko-KR" sz="2400" spc="-150" dirty="0" smtClean="0">
-                <a:solidFill>
-                  <a:srgbClr val="0070C0"/>
-                </a:solidFill>
-                <a:latin typeface="Consolas" panose="020B0609020204030204" pitchFamily="49" charset="0"/>
-              </a:rPr>
-              <a:t>expression_1</a:t>
-            </a:r>
-            <a:br>
-              <a:rPr lang="en-US" altLang="ko-KR" sz="2400" spc="-150" dirty="0" smtClean="0">
-                <a:solidFill>
-                  <a:srgbClr val="0070C0"/>
-                </a:solidFill>
-                <a:latin typeface="Consolas" panose="020B0609020204030204" pitchFamily="49" charset="0"/>
-              </a:rPr>
-            </a:br>
-            <a:r>
-              <a:rPr lang="en-US" altLang="ko-KR" sz="2400" spc="-150" dirty="0" smtClean="0">
-                <a:solidFill>
-                  <a:srgbClr val="0070C0"/>
-                </a:solidFill>
-                <a:latin typeface="Consolas" panose="020B0609020204030204" pitchFamily="49" charset="0"/>
-              </a:rPr>
-              <a:t>} else if (logical_expression_2){</a:t>
+                <a:latin typeface="Consolas" panose="020B0609020204030204" pitchFamily="49" charset="0"/>
+              </a:rPr>
+              <a:t>	if (logical_expression_2){</a:t>
+            </a:r>
+            <a:br>
+              <a:rPr lang="en-US" altLang="ko-KR" sz="2400" spc="-150" dirty="0">
+                <a:latin typeface="Consolas" panose="020B0609020204030204" pitchFamily="49" charset="0"/>
+              </a:rPr>
+            </a:br>
+            <a:r>
+              <a:rPr lang="en-US" altLang="ko-KR" sz="2400" spc="-150" dirty="0">
+                <a:latin typeface="Consolas" panose="020B0609020204030204" pitchFamily="49" charset="0"/>
+              </a:rPr>
+              <a:t>		expression_2</a:t>
+            </a:r>
+            <a:br>
+              <a:rPr lang="en-US" altLang="ko-KR" sz="2400" spc="-150" dirty="0">
+                <a:latin typeface="Consolas" panose="020B0609020204030204" pitchFamily="49" charset="0"/>
+              </a:rPr>
+            </a:br>
+            <a:r>
+              <a:rPr lang="en-US" altLang="ko-KR" sz="2400" spc="-150" dirty="0">
+                <a:latin typeface="Consolas" panose="020B0609020204030204" pitchFamily="49" charset="0"/>
+              </a:rPr>
+              <a:t>	} else{</a:t>
             </a:r>
           </a:p>
           <a:p>
@@ -6327,38 +6280,9 @@
             </a:pPr>
             <a:r>
               <a:rPr lang="en-US" altLang="ko-KR" sz="2400" spc="-150" dirty="0">
-                <a:solidFill>
-                  <a:srgbClr val="0070C0"/>
-                </a:solidFill>
-                <a:latin typeface="Consolas" panose="020B0609020204030204" pitchFamily="49" charset="0"/>
-              </a:rPr>
-              <a:t>	</a:t>
-            </a:r>
-            <a:r>
-              <a:rPr lang="en-US" altLang="ko-KR" sz="2400" spc="-150" dirty="0" smtClean="0">
-                <a:solidFill>
-                  <a:srgbClr val="0070C0"/>
-                </a:solidFill>
-                <a:latin typeface="Consolas" panose="020B0609020204030204" pitchFamily="49" charset="0"/>
-              </a:rPr>
-              <a:t>expression_2</a:t>
-            </a:r>
-            <a:br>
-              <a:rPr lang="en-US" altLang="ko-KR" sz="2400" spc="-150" dirty="0" smtClean="0">
-                <a:solidFill>
-                  <a:srgbClr val="0070C0"/>
-                </a:solidFill>
-                <a:latin typeface="Consolas" panose="020B0609020204030204" pitchFamily="49" charset="0"/>
-              </a:rPr>
-            </a:br>
-            <a:r>
-              <a:rPr lang="en-US" altLang="ko-KR" sz="2400" spc="-150" dirty="0" smtClean="0">
-                <a:solidFill>
-                  <a:srgbClr val="0070C0"/>
-                </a:solidFill>
-                <a:latin typeface="Consolas" panose="020B0609020204030204" pitchFamily="49" charset="0"/>
-              </a:rPr>
-              <a:t>} else {</a:t>
+                <a:latin typeface="Consolas" panose="020B0609020204030204" pitchFamily="49" charset="0"/>
+              </a:rPr>
+              <a:t>		expression_3</a:t>
             </a:r>
           </a:p>
           <a:p>
@@ -6367,21 +6291,9 @@
             </a:pPr>
             <a:r>
               <a:rPr lang="en-US" altLang="ko-KR" sz="2400" spc="-150" dirty="0">
-                <a:solidFill>
-                  <a:srgbClr val="0070C0"/>
-                </a:solidFill>
-                <a:latin typeface="Consolas" panose="020B0609020204030204" pitchFamily="49" charset="0"/>
-              </a:rPr>
-              <a:t>	</a:t>
-            </a:r>
-            <a:r>
-              <a:rPr lang="en-US" altLang="ko-KR" sz="2400" spc="-150" dirty="0" smtClean="0">
-                <a:solidFill>
-                  <a:srgbClr val="0070C0"/>
-                </a:solidFill>
-                <a:latin typeface="Consolas" panose="020B0609020204030204" pitchFamily="49" charset="0"/>
-              </a:rPr>
-              <a:t>expression_3</a:t>
+                <a:latin typeface="Consolas" panose="020B0609020204030204" pitchFamily="49" charset="0"/>
+              </a:rPr>
+              <a:t>	}</a:t>
             </a:r>
           </a:p>
           <a:p>
@@ -6390,17 +6302,11 @@
             </a:pPr>
             <a:r>
               <a:rPr lang="en-US" altLang="ko-KR" sz="2400" spc="-150" dirty="0">
-                <a:solidFill>
-                  <a:srgbClr val="0070C0"/>
-                </a:solidFill>
                 <a:latin typeface="Consolas" panose="020B0609020204030204" pitchFamily="49" charset="0"/>
               </a:rPr>
               <a:t>}</a:t>
             </a:r>
             <a:endParaRPr lang="ko-KR" altLang="en-US" sz="2400" spc="-150" dirty="0">
-              <a:solidFill>
-                <a:srgbClr val="0070C0"/>
-              </a:solidFill>
               <a:latin typeface="Consolas" panose="020B0609020204030204" pitchFamily="49" charset="0"/>
             </a:endParaRPr>
           </a:p>
@@ -6563,7 +6469,19 @@
               <a:rPr lang="en-US" altLang="ko-KR" spc="-150" dirty="0" smtClean="0">
                 <a:latin typeface="Consolas" panose="020B0609020204030204" pitchFamily="49" charset="0"/>
               </a:rPr>
-              <a:t> &lt;- a1^2 – 4*a2*a0</a:t>
+              <a:t> &lt;- a1^2 </a:t>
+            </a:r>
+            <a:r>
+              <a:rPr lang="en-US" altLang="ko-KR" spc="-150" dirty="0" smtClean="0">
+                <a:latin typeface="Consolas" panose="020B0609020204030204" pitchFamily="49" charset="0"/>
+              </a:rPr>
+              <a:t>- </a:t>
+            </a:r>
+            <a:r>
+              <a:rPr lang="en-US" altLang="ko-KR" spc="-150" dirty="0" smtClean="0">
+                <a:latin typeface="Consolas" panose="020B0609020204030204" pitchFamily="49" charset="0"/>
+              </a:rPr>
+              <a:t>4*a2*a0</a:t>
             </a:r>
             <a:br>
               <a:rPr lang="en-US" altLang="ko-KR" spc="-150" dirty="0" smtClean="0">
@@ -6620,7 +6538,19 @@
               <a:rPr lang="en-US" altLang="ko-KR" spc="-150" dirty="0" smtClean="0">
                 <a:latin typeface="Consolas" panose="020B0609020204030204" pitchFamily="49" charset="0"/>
               </a:rPr>
-              <a:t>(a1^2 – 4*a2*a0))/(2*a2), </a:t>
+              <a:t>(a1^2 </a:t>
+            </a:r>
+            <a:r>
+              <a:rPr lang="en-US" altLang="ko-KR" spc="-150" dirty="0" smtClean="0">
+                <a:latin typeface="Consolas" panose="020B0609020204030204" pitchFamily="49" charset="0"/>
+              </a:rPr>
+              <a:t>- </a:t>
+            </a:r>
+            <a:r>
+              <a:rPr lang="en-US" altLang="ko-KR" spc="-150" dirty="0" smtClean="0">
+                <a:latin typeface="Consolas" panose="020B0609020204030204" pitchFamily="49" charset="0"/>
+              </a:rPr>
+              <a:t>4*a2*a0))/(2*a2), </a:t>
             </a:r>
             <a:br>
               <a:rPr lang="en-US" altLang="ko-KR" spc="-150" dirty="0" smtClean="0">
@@ -6643,7 +6573,19 @@
               <a:rPr lang="en-US" altLang="ko-KR" spc="-150" dirty="0" smtClean="0">
                 <a:latin typeface="Consolas" panose="020B0609020204030204" pitchFamily="49" charset="0"/>
               </a:rPr>
-              <a:t>(a1^2 – 4*a2*a0))/(2*a2) )</a:t>
+              <a:t>(a1^2 </a:t>
+            </a:r>
+            <a:r>
+              <a:rPr lang="en-US" altLang="ko-KR" spc="-150" dirty="0" smtClean="0">
+                <a:latin typeface="Consolas" panose="020B0609020204030204" pitchFamily="49" charset="0"/>
+              </a:rPr>
+              <a:t>- </a:t>
+            </a:r>
+            <a:r>
+              <a:rPr lang="en-US" altLang="ko-KR" spc="-150" dirty="0" smtClean="0">
+                <a:latin typeface="Consolas" panose="020B0609020204030204" pitchFamily="49" charset="0"/>
+              </a:rPr>
+              <a:t>4*a2*a0))/(2*a2) )</a:t>
             </a:r>
             <a:br>
               <a:rPr lang="en-US" altLang="ko-KR" spc="-150" dirty="0" smtClean="0">
@@ -6919,15 +6861,7 @@
           <a:p>
             <a:r>
               <a:rPr lang="en-US" altLang="ko-KR" dirty="0" smtClean="0"/>
-              <a:t>We </a:t>
-            </a:r>
-            <a:r>
-              <a:rPr lang="en-US" altLang="ko-KR" dirty="0" smtClean="0"/>
-              <a:t>have a </a:t>
-            </a:r>
-            <a:r>
-              <a:rPr lang="en-US" altLang="ko-KR" dirty="0" smtClean="0"/>
-              <a:t>built-in function </a:t>
+              <a:t>We have a built-in function </a:t>
             </a:r>
             <a:r>
               <a:rPr lang="en-US" altLang="ko-KR" spc="-150" dirty="0" smtClean="0">

--- a/ppt/2.Basic programming.pptx
+++ b/ppt/2.Basic programming.pptx
@@ -262,7 +262,7 @@
           <a:p>
             <a:fld id="{16508449-542A-46A0-ABEC-0FA12F3A8655}" type="datetimeFigureOut">
               <a:rPr lang="ko-KR" altLang="en-US" smtClean="0"/>
-              <a:t>2017-03-07</a:t>
+              <a:t>2017-03-15</a:t>
             </a:fld>
             <a:endParaRPr lang="ko-KR" altLang="en-US"/>
           </a:p>
@@ -432,7 +432,7 @@
           <a:p>
             <a:fld id="{16508449-542A-46A0-ABEC-0FA12F3A8655}" type="datetimeFigureOut">
               <a:rPr lang="ko-KR" altLang="en-US" smtClean="0"/>
-              <a:t>2017-03-07</a:t>
+              <a:t>2017-03-15</a:t>
             </a:fld>
             <a:endParaRPr lang="ko-KR" altLang="en-US"/>
           </a:p>
@@ -612,7 +612,7 @@
           <a:p>
             <a:fld id="{16508449-542A-46A0-ABEC-0FA12F3A8655}" type="datetimeFigureOut">
               <a:rPr lang="ko-KR" altLang="en-US" smtClean="0"/>
-              <a:t>2017-03-07</a:t>
+              <a:t>2017-03-15</a:t>
             </a:fld>
             <a:endParaRPr lang="ko-KR" altLang="en-US"/>
           </a:p>
@@ -782,7 +782,7 @@
           <a:p>
             <a:fld id="{16508449-542A-46A0-ABEC-0FA12F3A8655}" type="datetimeFigureOut">
               <a:rPr lang="ko-KR" altLang="en-US" smtClean="0"/>
-              <a:t>2017-03-07</a:t>
+              <a:t>2017-03-15</a:t>
             </a:fld>
             <a:endParaRPr lang="ko-KR" altLang="en-US"/>
           </a:p>
@@ -1028,7 +1028,7 @@
           <a:p>
             <a:fld id="{16508449-542A-46A0-ABEC-0FA12F3A8655}" type="datetimeFigureOut">
               <a:rPr lang="ko-KR" altLang="en-US" smtClean="0"/>
-              <a:t>2017-03-07</a:t>
+              <a:t>2017-03-15</a:t>
             </a:fld>
             <a:endParaRPr lang="ko-KR" altLang="en-US"/>
           </a:p>
@@ -1260,7 +1260,7 @@
           <a:p>
             <a:fld id="{16508449-542A-46A0-ABEC-0FA12F3A8655}" type="datetimeFigureOut">
               <a:rPr lang="ko-KR" altLang="en-US" smtClean="0"/>
-              <a:t>2017-03-07</a:t>
+              <a:t>2017-03-15</a:t>
             </a:fld>
             <a:endParaRPr lang="ko-KR" altLang="en-US"/>
           </a:p>
@@ -1627,7 +1627,7 @@
           <a:p>
             <a:fld id="{16508449-542A-46A0-ABEC-0FA12F3A8655}" type="datetimeFigureOut">
               <a:rPr lang="ko-KR" altLang="en-US" smtClean="0"/>
-              <a:t>2017-03-07</a:t>
+              <a:t>2017-03-15</a:t>
             </a:fld>
             <a:endParaRPr lang="ko-KR" altLang="en-US"/>
           </a:p>
@@ -1745,7 +1745,7 @@
           <a:p>
             <a:fld id="{16508449-542A-46A0-ABEC-0FA12F3A8655}" type="datetimeFigureOut">
               <a:rPr lang="ko-KR" altLang="en-US" smtClean="0"/>
-              <a:t>2017-03-07</a:t>
+              <a:t>2017-03-15</a:t>
             </a:fld>
             <a:endParaRPr lang="ko-KR" altLang="en-US"/>
           </a:p>
@@ -1840,7 +1840,7 @@
           <a:p>
             <a:fld id="{16508449-542A-46A0-ABEC-0FA12F3A8655}" type="datetimeFigureOut">
               <a:rPr lang="ko-KR" altLang="en-US" smtClean="0"/>
-              <a:t>2017-03-07</a:t>
+              <a:t>2017-03-15</a:t>
             </a:fld>
             <a:endParaRPr lang="ko-KR" altLang="en-US"/>
           </a:p>
@@ -2117,7 +2117,7 @@
           <a:p>
             <a:fld id="{16508449-542A-46A0-ABEC-0FA12F3A8655}" type="datetimeFigureOut">
               <a:rPr lang="ko-KR" altLang="en-US" smtClean="0"/>
-              <a:t>2017-03-07</a:t>
+              <a:t>2017-03-15</a:t>
             </a:fld>
             <a:endParaRPr lang="ko-KR" altLang="en-US"/>
           </a:p>
@@ -2370,7 +2370,7 @@
           <a:p>
             <a:fld id="{16508449-542A-46A0-ABEC-0FA12F3A8655}" type="datetimeFigureOut">
               <a:rPr lang="ko-KR" altLang="en-US" smtClean="0"/>
-              <a:t>2017-03-07</a:t>
+              <a:t>2017-03-15</a:t>
             </a:fld>
             <a:endParaRPr lang="ko-KR" altLang="en-US"/>
           </a:p>
@@ -2583,7 +2583,7 @@
           <a:p>
             <a:fld id="{16508449-542A-46A0-ABEC-0FA12F3A8655}" type="datetimeFigureOut">
               <a:rPr lang="ko-KR" altLang="en-US" smtClean="0"/>
-              <a:t>2017-03-07</a:t>
+              <a:t>2017-03-15</a:t>
             </a:fld>
             <a:endParaRPr lang="ko-KR" altLang="en-US"/>
           </a:p>
@@ -5540,9 +5540,6 @@
               </a:rPr>
               <a:t>}</a:t>
             </a:r>
-            <a:endParaRPr lang="en-US" altLang="ko-KR" spc="-150" dirty="0" smtClean="0">
-              <a:latin typeface="Consolas" panose="020B0609020204030204" pitchFamily="49" charset="0"/>
-            </a:endParaRPr>
           </a:p>
         </p:txBody>
       </p:sp>
@@ -6238,7 +6235,47 @@
               <a:rPr lang="en-US" altLang="ko-KR" sz="2400" spc="-150" dirty="0">
                 <a:latin typeface="Consolas" panose="020B0609020204030204" pitchFamily="49" charset="0"/>
               </a:rPr>
-              <a:t>} else {</a:t>
+              <a:t>} else </a:t>
+            </a:r>
+            <a:r>
+              <a:rPr lang="en-US" altLang="ko-KR" sz="2400" spc="-150" dirty="0" smtClean="0">
+                <a:latin typeface="Consolas" panose="020B0609020204030204" pitchFamily="49" charset="0"/>
+              </a:rPr>
+              <a:t>if </a:t>
+            </a:r>
+            <a:r>
+              <a:rPr lang="en-US" altLang="ko-KR" sz="2400" spc="-150" dirty="0">
+                <a:latin typeface="Consolas" panose="020B0609020204030204" pitchFamily="49" charset="0"/>
+              </a:rPr>
+              <a:t>(logical_expression_2){</a:t>
+            </a:r>
+            <a:br>
+              <a:rPr lang="en-US" altLang="ko-KR" sz="2400" spc="-150" dirty="0">
+                <a:latin typeface="Consolas" panose="020B0609020204030204" pitchFamily="49" charset="0"/>
+              </a:rPr>
+            </a:br>
+            <a:r>
+              <a:rPr lang="en-US" altLang="ko-KR" sz="2400" spc="-150" dirty="0">
+                <a:latin typeface="Consolas" panose="020B0609020204030204" pitchFamily="49" charset="0"/>
+              </a:rPr>
+              <a:t>	expression_2</a:t>
+            </a:r>
+            <a:br>
+              <a:rPr lang="en-US" altLang="ko-KR" sz="2400" spc="-150" dirty="0">
+                <a:latin typeface="Consolas" panose="020B0609020204030204" pitchFamily="49" charset="0"/>
+              </a:rPr>
+            </a:br>
+            <a:r>
+              <a:rPr lang="en-US" altLang="ko-KR" sz="2400" spc="-150" dirty="0" smtClean="0">
+                <a:latin typeface="Consolas" panose="020B0609020204030204" pitchFamily="49" charset="0"/>
+              </a:rPr>
+              <a:t>} </a:t>
+            </a:r>
+            <a:r>
+              <a:rPr lang="en-US" altLang="ko-KR" sz="2400" spc="-150" dirty="0">
+                <a:latin typeface="Consolas" panose="020B0609020204030204" pitchFamily="49" charset="0"/>
+              </a:rPr>
+              <a:t>else{</a:t>
             </a:r>
           </a:p>
           <a:p>
@@ -6249,29 +6286,7 @@
               <a:rPr lang="en-US" altLang="ko-KR" sz="2400" spc="-150" dirty="0">
                 <a:latin typeface="Consolas" panose="020B0609020204030204" pitchFamily="49" charset="0"/>
               </a:rPr>
-              <a:t>	if (logical_expression_2){</a:t>
-            </a:r>
-            <a:br>
-              <a:rPr lang="en-US" altLang="ko-KR" sz="2400" spc="-150" dirty="0">
-                <a:latin typeface="Consolas" panose="020B0609020204030204" pitchFamily="49" charset="0"/>
-              </a:rPr>
-            </a:br>
-            <a:r>
-              <a:rPr lang="en-US" altLang="ko-KR" sz="2400" spc="-150" dirty="0">
-                <a:latin typeface="Consolas" panose="020B0609020204030204" pitchFamily="49" charset="0"/>
-              </a:rPr>
-              <a:t>		expression_2</a:t>
-            </a:r>
-            <a:br>
-              <a:rPr lang="en-US" altLang="ko-KR" sz="2400" spc="-150" dirty="0">
-                <a:latin typeface="Consolas" panose="020B0609020204030204" pitchFamily="49" charset="0"/>
-              </a:rPr>
-            </a:br>
-            <a:r>
-              <a:rPr lang="en-US" altLang="ko-KR" sz="2400" spc="-150" dirty="0">
-                <a:latin typeface="Consolas" panose="020B0609020204030204" pitchFamily="49" charset="0"/>
-              </a:rPr>
-              <a:t>	} else{</a:t>
+              <a:t>	expression_3</a:t>
             </a:r>
           </a:p>
           <a:p>
@@ -6279,33 +6294,19 @@
               <a:buNone/>
             </a:pPr>
             <a:r>
-              <a:rPr lang="en-US" altLang="ko-KR" sz="2400" spc="-150" dirty="0">
-                <a:latin typeface="Consolas" panose="020B0609020204030204" pitchFamily="49" charset="0"/>
-              </a:rPr>
-              <a:t>		expression_3</a:t>
-            </a:r>
+              <a:rPr lang="en-US" altLang="ko-KR" sz="2400" spc="-150" smtClean="0">
+                <a:latin typeface="Consolas" panose="020B0609020204030204" pitchFamily="49" charset="0"/>
+              </a:rPr>
+              <a:t>}</a:t>
+            </a:r>
+            <a:endParaRPr lang="en-US" altLang="ko-KR" sz="2400" spc="-150" dirty="0">
+              <a:latin typeface="Consolas" panose="020B0609020204030204" pitchFamily="49" charset="0"/>
+            </a:endParaRPr>
           </a:p>
           <a:p>
             <a:pPr marL="0" indent="0">
               <a:buNone/>
             </a:pPr>
-            <a:r>
-              <a:rPr lang="en-US" altLang="ko-KR" sz="2400" spc="-150" dirty="0">
-                <a:latin typeface="Consolas" panose="020B0609020204030204" pitchFamily="49" charset="0"/>
-              </a:rPr>
-              <a:t>	}</a:t>
-            </a:r>
-          </a:p>
-          <a:p>
-            <a:pPr marL="0" indent="0">
-              <a:buNone/>
-            </a:pPr>
-            <a:r>
-              <a:rPr lang="en-US" altLang="ko-KR" sz="2400" spc="-150" dirty="0">
-                <a:latin typeface="Consolas" panose="020B0609020204030204" pitchFamily="49" charset="0"/>
-              </a:rPr>
-              <a:t>}</a:t>
-            </a:r>
             <a:endParaRPr lang="ko-KR" altLang="en-US" sz="2400" spc="-150" dirty="0">
               <a:latin typeface="Consolas" panose="020B0609020204030204" pitchFamily="49" charset="0"/>
             </a:endParaRPr>
@@ -6469,19 +6470,7 @@
               <a:rPr lang="en-US" altLang="ko-KR" spc="-150" dirty="0" smtClean="0">
                 <a:latin typeface="Consolas" panose="020B0609020204030204" pitchFamily="49" charset="0"/>
               </a:rPr>
-              <a:t> &lt;- a1^2 </a:t>
-            </a:r>
-            <a:r>
-              <a:rPr lang="en-US" altLang="ko-KR" spc="-150" dirty="0" smtClean="0">
-                <a:latin typeface="Consolas" panose="020B0609020204030204" pitchFamily="49" charset="0"/>
-              </a:rPr>
-              <a:t>- </a:t>
-            </a:r>
-            <a:r>
-              <a:rPr lang="en-US" altLang="ko-KR" spc="-150" dirty="0" smtClean="0">
-                <a:latin typeface="Consolas" panose="020B0609020204030204" pitchFamily="49" charset="0"/>
-              </a:rPr>
-              <a:t>4*a2*a0</a:t>
+              <a:t> &lt;- a1^2 - 4*a2*a0</a:t>
             </a:r>
             <a:br>
               <a:rPr lang="en-US" altLang="ko-KR" spc="-150" dirty="0" smtClean="0">
@@ -6538,19 +6527,7 @@
               <a:rPr lang="en-US" altLang="ko-KR" spc="-150" dirty="0" smtClean="0">
                 <a:latin typeface="Consolas" panose="020B0609020204030204" pitchFamily="49" charset="0"/>
               </a:rPr>
-              <a:t>(a1^2 </a:t>
-            </a:r>
-            <a:r>
-              <a:rPr lang="en-US" altLang="ko-KR" spc="-150" dirty="0" smtClean="0">
-                <a:latin typeface="Consolas" panose="020B0609020204030204" pitchFamily="49" charset="0"/>
-              </a:rPr>
-              <a:t>- </a:t>
-            </a:r>
-            <a:r>
-              <a:rPr lang="en-US" altLang="ko-KR" spc="-150" dirty="0" smtClean="0">
-                <a:latin typeface="Consolas" panose="020B0609020204030204" pitchFamily="49" charset="0"/>
-              </a:rPr>
-              <a:t>4*a2*a0))/(2*a2), </a:t>
+              <a:t>(a1^2 - 4*a2*a0))/(2*a2), </a:t>
             </a:r>
             <a:br>
               <a:rPr lang="en-US" altLang="ko-KR" spc="-150" dirty="0" smtClean="0">
@@ -6573,19 +6550,7 @@
               <a:rPr lang="en-US" altLang="ko-KR" spc="-150" dirty="0" smtClean="0">
                 <a:latin typeface="Consolas" panose="020B0609020204030204" pitchFamily="49" charset="0"/>
               </a:rPr>
-              <a:t>(a1^2 </a:t>
-            </a:r>
-            <a:r>
-              <a:rPr lang="en-US" altLang="ko-KR" spc="-150" dirty="0" smtClean="0">
-                <a:latin typeface="Consolas" panose="020B0609020204030204" pitchFamily="49" charset="0"/>
-              </a:rPr>
-              <a:t>- </a:t>
-            </a:r>
-            <a:r>
-              <a:rPr lang="en-US" altLang="ko-KR" spc="-150" dirty="0" smtClean="0">
-                <a:latin typeface="Consolas" panose="020B0609020204030204" pitchFamily="49" charset="0"/>
-              </a:rPr>
-              <a:t>4*a2*a0))/(2*a2) )</a:t>
+              <a:t>(a1^2 - 4*a2*a0))/(2*a2) )</a:t>
             </a:r>
             <a:br>
               <a:rPr lang="en-US" altLang="ko-KR" spc="-150" dirty="0" smtClean="0">

--- a/ppt/2.Basic programming.pptx
+++ b/ppt/2.Basic programming.pptx
@@ -262,7 +262,7 @@
           <a:p>
             <a:fld id="{16508449-542A-46A0-ABEC-0FA12F3A8655}" type="datetimeFigureOut">
               <a:rPr lang="ko-KR" altLang="en-US" smtClean="0"/>
-              <a:t>2017-03-15</a:t>
+              <a:t>2017-03-16</a:t>
             </a:fld>
             <a:endParaRPr lang="ko-KR" altLang="en-US"/>
           </a:p>
@@ -432,7 +432,7 @@
           <a:p>
             <a:fld id="{16508449-542A-46A0-ABEC-0FA12F3A8655}" type="datetimeFigureOut">
               <a:rPr lang="ko-KR" altLang="en-US" smtClean="0"/>
-              <a:t>2017-03-15</a:t>
+              <a:t>2017-03-16</a:t>
             </a:fld>
             <a:endParaRPr lang="ko-KR" altLang="en-US"/>
           </a:p>
@@ -612,7 +612,7 @@
           <a:p>
             <a:fld id="{16508449-542A-46A0-ABEC-0FA12F3A8655}" type="datetimeFigureOut">
               <a:rPr lang="ko-KR" altLang="en-US" smtClean="0"/>
-              <a:t>2017-03-15</a:t>
+              <a:t>2017-03-16</a:t>
             </a:fld>
             <a:endParaRPr lang="ko-KR" altLang="en-US"/>
           </a:p>
@@ -782,7 +782,7 @@
           <a:p>
             <a:fld id="{16508449-542A-46A0-ABEC-0FA12F3A8655}" type="datetimeFigureOut">
               <a:rPr lang="ko-KR" altLang="en-US" smtClean="0"/>
-              <a:t>2017-03-15</a:t>
+              <a:t>2017-03-16</a:t>
             </a:fld>
             <a:endParaRPr lang="ko-KR" altLang="en-US"/>
           </a:p>
@@ -1028,7 +1028,7 @@
           <a:p>
             <a:fld id="{16508449-542A-46A0-ABEC-0FA12F3A8655}" type="datetimeFigureOut">
               <a:rPr lang="ko-KR" altLang="en-US" smtClean="0"/>
-              <a:t>2017-03-15</a:t>
+              <a:t>2017-03-16</a:t>
             </a:fld>
             <a:endParaRPr lang="ko-KR" altLang="en-US"/>
           </a:p>
@@ -1260,7 +1260,7 @@
           <a:p>
             <a:fld id="{16508449-542A-46A0-ABEC-0FA12F3A8655}" type="datetimeFigureOut">
               <a:rPr lang="ko-KR" altLang="en-US" smtClean="0"/>
-              <a:t>2017-03-15</a:t>
+              <a:t>2017-03-16</a:t>
             </a:fld>
             <a:endParaRPr lang="ko-KR" altLang="en-US"/>
           </a:p>
@@ -1627,7 +1627,7 @@
           <a:p>
             <a:fld id="{16508449-542A-46A0-ABEC-0FA12F3A8655}" type="datetimeFigureOut">
               <a:rPr lang="ko-KR" altLang="en-US" smtClean="0"/>
-              <a:t>2017-03-15</a:t>
+              <a:t>2017-03-16</a:t>
             </a:fld>
             <a:endParaRPr lang="ko-KR" altLang="en-US"/>
           </a:p>
@@ -1745,7 +1745,7 @@
           <a:p>
             <a:fld id="{16508449-542A-46A0-ABEC-0FA12F3A8655}" type="datetimeFigureOut">
               <a:rPr lang="ko-KR" altLang="en-US" smtClean="0"/>
-              <a:t>2017-03-15</a:t>
+              <a:t>2017-03-16</a:t>
             </a:fld>
             <a:endParaRPr lang="ko-KR" altLang="en-US"/>
           </a:p>
@@ -1840,7 +1840,7 @@
           <a:p>
             <a:fld id="{16508449-542A-46A0-ABEC-0FA12F3A8655}" type="datetimeFigureOut">
               <a:rPr lang="ko-KR" altLang="en-US" smtClean="0"/>
-              <a:t>2017-03-15</a:t>
+              <a:t>2017-03-16</a:t>
             </a:fld>
             <a:endParaRPr lang="ko-KR" altLang="en-US"/>
           </a:p>
@@ -2117,7 +2117,7 @@
           <a:p>
             <a:fld id="{16508449-542A-46A0-ABEC-0FA12F3A8655}" type="datetimeFigureOut">
               <a:rPr lang="ko-KR" altLang="en-US" smtClean="0"/>
-              <a:t>2017-03-15</a:t>
+              <a:t>2017-03-16</a:t>
             </a:fld>
             <a:endParaRPr lang="ko-KR" altLang="en-US"/>
           </a:p>
@@ -2370,7 +2370,7 @@
           <a:p>
             <a:fld id="{16508449-542A-46A0-ABEC-0FA12F3A8655}" type="datetimeFigureOut">
               <a:rPr lang="ko-KR" altLang="en-US" smtClean="0"/>
-              <a:t>2017-03-15</a:t>
+              <a:t>2017-03-16</a:t>
             </a:fld>
             <a:endParaRPr lang="ko-KR" altLang="en-US"/>
           </a:p>
@@ -2583,7 +2583,7 @@
           <a:p>
             <a:fld id="{16508449-542A-46A0-ABEC-0FA12F3A8655}" type="datetimeFigureOut">
               <a:rPr lang="ko-KR" altLang="en-US" smtClean="0"/>
-              <a:t>2017-03-15</a:t>
+              <a:t>2017-03-16</a:t>
             </a:fld>
             <a:endParaRPr lang="ko-KR" altLang="en-US"/>
           </a:p>
@@ -5954,7 +5954,15 @@
             </a:r>
             <a:r>
               <a:rPr lang="en-US" altLang="ko-KR" dirty="0" smtClean="0"/>
-              <a:t> is believes the </a:t>
+              <a:t> </a:t>
+            </a:r>
+            <a:r>
+              <a:rPr lang="en-US" altLang="ko-KR" dirty="0" smtClean="0"/>
+              <a:t>believes </a:t>
+            </a:r>
+            <a:r>
+              <a:rPr lang="en-US" altLang="ko-KR" dirty="0" smtClean="0"/>
+              <a:t>the </a:t>
             </a:r>
             <a:r>
               <a:rPr lang="en-US" altLang="ko-KR" spc="-150" dirty="0" smtClean="0">
@@ -5978,9 +5986,16 @@
             </a:r>
           </a:p>
           <a:p>
-            <a:r>
-              <a:rPr lang="en-US" altLang="ko-KR" dirty="0" smtClean="0"/>
-              <a:t>That is, </a:t>
+            <a:endParaRPr lang="en-US" altLang="ko-KR" dirty="0" smtClean="0"/>
+          </a:p>
+          <a:p>
+            <a:r>
+              <a:rPr lang="en-US" altLang="ko-KR" dirty="0" smtClean="0"/>
+              <a:t>That </a:t>
+            </a:r>
+            <a:r>
+              <a:rPr lang="en-US" altLang="ko-KR" dirty="0" smtClean="0"/>
+              <a:t>is, </a:t>
             </a:r>
             <a:r>
               <a:rPr lang="en-US" altLang="ko-KR" dirty="0" smtClean="0">
